--- a/doc/2025_스터디_쉬는날.pptx
+++ b/doc/2025_스터디_쉬는날.pptx
@@ -259,7 +259,7 @@
           <a:p>
             <a:fld id="{DE0CB225-08ED-3242-B1E5-E27BC5C8144B}" type="datetimeFigureOut">
               <a:rPr kumimoji="1" lang="ko-KR" altLang="en-US" smtClean="0"/>
-              <a:t>2024. 11. 23.</a:t>
+              <a:t>2025. 6. 28.</a:t>
             </a:fld>
             <a:endParaRPr kumimoji="1" lang="ko-KR" altLang="en-US"/>
           </a:p>
@@ -457,7 +457,7 @@
           <a:p>
             <a:fld id="{DE0CB225-08ED-3242-B1E5-E27BC5C8144B}" type="datetimeFigureOut">
               <a:rPr kumimoji="1" lang="ko-KR" altLang="en-US" smtClean="0"/>
-              <a:t>2024. 11. 23.</a:t>
+              <a:t>2025. 6. 28.</a:t>
             </a:fld>
             <a:endParaRPr kumimoji="1" lang="ko-KR" altLang="en-US"/>
           </a:p>
@@ -665,7 +665,7 @@
           <a:p>
             <a:fld id="{DE0CB225-08ED-3242-B1E5-E27BC5C8144B}" type="datetimeFigureOut">
               <a:rPr kumimoji="1" lang="ko-KR" altLang="en-US" smtClean="0"/>
-              <a:t>2024. 11. 23.</a:t>
+              <a:t>2025. 6. 28.</a:t>
             </a:fld>
             <a:endParaRPr kumimoji="1" lang="ko-KR" altLang="en-US"/>
           </a:p>
@@ -863,7 +863,7 @@
           <a:p>
             <a:fld id="{DE0CB225-08ED-3242-B1E5-E27BC5C8144B}" type="datetimeFigureOut">
               <a:rPr kumimoji="1" lang="ko-KR" altLang="en-US" smtClean="0"/>
-              <a:t>2024. 11. 23.</a:t>
+              <a:t>2025. 6. 28.</a:t>
             </a:fld>
             <a:endParaRPr kumimoji="1" lang="ko-KR" altLang="en-US"/>
           </a:p>
@@ -1138,7 +1138,7 @@
           <a:p>
             <a:fld id="{DE0CB225-08ED-3242-B1E5-E27BC5C8144B}" type="datetimeFigureOut">
               <a:rPr kumimoji="1" lang="ko-KR" altLang="en-US" smtClean="0"/>
-              <a:t>2024. 11. 23.</a:t>
+              <a:t>2025. 6. 28.</a:t>
             </a:fld>
             <a:endParaRPr kumimoji="1" lang="ko-KR" altLang="en-US"/>
           </a:p>
@@ -1403,7 +1403,7 @@
           <a:p>
             <a:fld id="{DE0CB225-08ED-3242-B1E5-E27BC5C8144B}" type="datetimeFigureOut">
               <a:rPr kumimoji="1" lang="ko-KR" altLang="en-US" smtClean="0"/>
-              <a:t>2024. 11. 23.</a:t>
+              <a:t>2025. 6. 28.</a:t>
             </a:fld>
             <a:endParaRPr kumimoji="1" lang="ko-KR" altLang="en-US"/>
           </a:p>
@@ -1815,7 +1815,7 @@
           <a:p>
             <a:fld id="{DE0CB225-08ED-3242-B1E5-E27BC5C8144B}" type="datetimeFigureOut">
               <a:rPr kumimoji="1" lang="ko-KR" altLang="en-US" smtClean="0"/>
-              <a:t>2024. 11. 23.</a:t>
+              <a:t>2025. 6. 28.</a:t>
             </a:fld>
             <a:endParaRPr kumimoji="1" lang="ko-KR" altLang="en-US"/>
           </a:p>
@@ -1956,7 +1956,7 @@
           <a:p>
             <a:fld id="{DE0CB225-08ED-3242-B1E5-E27BC5C8144B}" type="datetimeFigureOut">
               <a:rPr kumimoji="1" lang="ko-KR" altLang="en-US" smtClean="0"/>
-              <a:t>2024. 11. 23.</a:t>
+              <a:t>2025. 6. 28.</a:t>
             </a:fld>
             <a:endParaRPr kumimoji="1" lang="ko-KR" altLang="en-US"/>
           </a:p>
@@ -2069,7 +2069,7 @@
           <a:p>
             <a:fld id="{DE0CB225-08ED-3242-B1E5-E27BC5C8144B}" type="datetimeFigureOut">
               <a:rPr kumimoji="1" lang="ko-KR" altLang="en-US" smtClean="0"/>
-              <a:t>2024. 11. 23.</a:t>
+              <a:t>2025. 6. 28.</a:t>
             </a:fld>
             <a:endParaRPr kumimoji="1" lang="ko-KR" altLang="en-US"/>
           </a:p>
@@ -2380,7 +2380,7 @@
           <a:p>
             <a:fld id="{DE0CB225-08ED-3242-B1E5-E27BC5C8144B}" type="datetimeFigureOut">
               <a:rPr kumimoji="1" lang="ko-KR" altLang="en-US" smtClean="0"/>
-              <a:t>2024. 11. 23.</a:t>
+              <a:t>2025. 6. 28.</a:t>
             </a:fld>
             <a:endParaRPr kumimoji="1" lang="ko-KR" altLang="en-US"/>
           </a:p>
@@ -2668,7 +2668,7 @@
           <a:p>
             <a:fld id="{DE0CB225-08ED-3242-B1E5-E27BC5C8144B}" type="datetimeFigureOut">
               <a:rPr kumimoji="1" lang="ko-KR" altLang="en-US" smtClean="0"/>
-              <a:t>2024. 11. 23.</a:t>
+              <a:t>2025. 6. 28.</a:t>
             </a:fld>
             <a:endParaRPr kumimoji="1" lang="ko-KR" altLang="en-US"/>
           </a:p>
@@ -2909,7 +2909,7 @@
           <a:p>
             <a:fld id="{DE0CB225-08ED-3242-B1E5-E27BC5C8144B}" type="datetimeFigureOut">
               <a:rPr kumimoji="1" lang="ko-KR" altLang="en-US" smtClean="0"/>
-              <a:t>2024. 11. 23.</a:t>
+              <a:t>2025. 6. 28.</a:t>
             </a:fld>
             <a:endParaRPr kumimoji="1" lang="ko-KR" altLang="en-US"/>
           </a:p>
@@ -3770,7 +3770,107 @@
         </p:nvSpPr>
         <p:spPr>
           <a:xfrm>
-            <a:off x="7704086" y="4321400"/>
+            <a:off x="5822125" y="4321398"/>
+            <a:ext cx="194441" cy="234529"/>
+          </a:xfrm>
+          <a:prstGeom prst="rect">
+            <a:avLst/>
+          </a:prstGeom>
+          <a:noFill/>
+          <a:ln>
+            <a:solidFill>
+              <a:srgbClr val="FF0000"/>
+            </a:solidFill>
+          </a:ln>
+        </p:spPr>
+        <p:style>
+          <a:lnRef idx="2">
+            <a:schemeClr val="accent4"/>
+          </a:lnRef>
+          <a:fillRef idx="1">
+            <a:schemeClr val="lt1"/>
+          </a:fillRef>
+          <a:effectRef idx="0">
+            <a:schemeClr val="accent4"/>
+          </a:effectRef>
+          <a:fontRef idx="minor">
+            <a:schemeClr val="dk1"/>
+          </a:fontRef>
+        </p:style>
+        <p:txBody>
+          <a:bodyPr rtlCol="0" anchor="ctr"/>
+          <a:lstStyle/>
+          <a:p>
+            <a:pPr algn="ctr"/>
+            <a:endParaRPr kumimoji="1" lang="ko-KR" altLang="en-US"/>
+          </a:p>
+        </p:txBody>
+      </p:sp>
+      <p:sp>
+        <p:nvSpPr>
+          <p:cNvPr id="2" name="직사각형 1">
+            <a:extLst>
+              <a:ext uri="{FF2B5EF4-FFF2-40B4-BE49-F238E27FC236}">
+                <a16:creationId xmlns:a16="http://schemas.microsoft.com/office/drawing/2014/main" id="{2DE3765D-484B-FE28-9E20-CCA54BE5C2D3}"/>
+              </a:ext>
+            </a:extLst>
+          </p:cNvPr>
+          <p:cNvSpPr/>
+          <p:nvPr/>
+        </p:nvSpPr>
+        <p:spPr>
+          <a:xfrm>
+            <a:off x="2110501" y="4106057"/>
+            <a:ext cx="194441" cy="234529"/>
+          </a:xfrm>
+          <a:prstGeom prst="rect">
+            <a:avLst/>
+          </a:prstGeom>
+          <a:noFill/>
+          <a:ln>
+            <a:solidFill>
+              <a:srgbClr val="FF0000"/>
+            </a:solidFill>
+          </a:ln>
+        </p:spPr>
+        <p:style>
+          <a:lnRef idx="2">
+            <a:schemeClr val="accent4"/>
+          </a:lnRef>
+          <a:fillRef idx="1">
+            <a:schemeClr val="lt1"/>
+          </a:fillRef>
+          <a:effectRef idx="0">
+            <a:schemeClr val="accent4"/>
+          </a:effectRef>
+          <a:fontRef idx="minor">
+            <a:schemeClr val="dk1"/>
+          </a:fontRef>
+        </p:style>
+        <p:txBody>
+          <a:bodyPr rtlCol="0" anchor="ctr"/>
+          <a:lstStyle/>
+          <a:p>
+            <a:pPr algn="ctr"/>
+            <a:endParaRPr kumimoji="1" lang="ko-KR" altLang="en-US"/>
+          </a:p>
+        </p:txBody>
+      </p:sp>
+      <p:sp>
+        <p:nvSpPr>
+          <p:cNvPr id="3" name="직사각형 2">
+            <a:extLst>
+              <a:ext uri="{FF2B5EF4-FFF2-40B4-BE49-F238E27FC236}">
+                <a16:creationId xmlns:a16="http://schemas.microsoft.com/office/drawing/2014/main" id="{BB968C50-6174-B79B-B813-6B41EFEE1F61}"/>
+              </a:ext>
+            </a:extLst>
+          </p:cNvPr>
+          <p:cNvSpPr/>
+          <p:nvPr/>
+        </p:nvSpPr>
+        <p:spPr>
+          <a:xfrm>
+            <a:off x="9556856" y="4577437"/>
             <a:ext cx="194441" cy="234529"/>
           </a:xfrm>
           <a:prstGeom prst="rect">
